--- a/0.Miscellaneous/LatexTutorial/0_material/LaTeX_intro.pptx
+++ b/0.Miscellaneous/LatexTutorial/0_material/LaTeX_intro.pptx
@@ -169,6 +169,43 @@
     </p:extLst>
   </p:cmAuthor>
 </p:cmAuthorLst>
+</file>
+
+<file path=ppt/changesInfos/changesInfo1.xml><?xml version="1.0" encoding="utf-8"?>
+<pc:chgInfo xmlns:a="http://schemas.openxmlformats.org/drawingml/2006/main" xmlns:r="http://schemas.openxmlformats.org/officeDocument/2006/relationships" xmlns:ac="http://schemas.microsoft.com/office/drawing/2013/main/command" xmlns:pc="http://schemas.microsoft.com/office/powerpoint/2013/main/command">
+  <pc:docChgLst>
+    <pc:chgData name="Antonio Osamu Katagiri Tanaka" userId="2c28225e-d492-4964-8551-1b0a3c65dda0" providerId="ADAL" clId="{7BD352F4-A2D1-469C-885D-07F33EB00D0B}"/>
+    <pc:docChg chg="modSld">
+      <pc:chgData name="Antonio Osamu Katagiri Tanaka" userId="2c28225e-d492-4964-8551-1b0a3c65dda0" providerId="ADAL" clId="{7BD352F4-A2D1-469C-885D-07F33EB00D0B}" dt="2020-08-12T14:55:07.733" v="28" actId="1076"/>
+      <pc:docMkLst>
+        <pc:docMk/>
+      </pc:docMkLst>
+      <pc:sldChg chg="modSp mod">
+        <pc:chgData name="Antonio Osamu Katagiri Tanaka" userId="2c28225e-d492-4964-8551-1b0a3c65dda0" providerId="ADAL" clId="{7BD352F4-A2D1-469C-885D-07F33EB00D0B}" dt="2020-08-12T14:55:07.733" v="28" actId="1076"/>
+        <pc:sldMkLst>
+          <pc:docMk/>
+          <pc:sldMk cId="89048205" sldId="287"/>
+        </pc:sldMkLst>
+        <pc:spChg chg="mod">
+          <ac:chgData name="Antonio Osamu Katagiri Tanaka" userId="2c28225e-d492-4964-8551-1b0a3c65dda0" providerId="ADAL" clId="{7BD352F4-A2D1-469C-885D-07F33EB00D0B}" dt="2020-08-12T14:54:47.971" v="24" actId="20577"/>
+          <ac:spMkLst>
+            <pc:docMk/>
+            <pc:sldMk cId="89048205" sldId="287"/>
+            <ac:spMk id="14" creationId="{B1FDEF3E-1872-41D3-A841-FBE14801F476}"/>
+          </ac:spMkLst>
+        </pc:spChg>
+        <pc:picChg chg="mod">
+          <ac:chgData name="Antonio Osamu Katagiri Tanaka" userId="2c28225e-d492-4964-8551-1b0a3c65dda0" providerId="ADAL" clId="{7BD352F4-A2D1-469C-885D-07F33EB00D0B}" dt="2020-08-12T14:55:07.733" v="28" actId="1076"/>
+          <ac:picMkLst>
+            <pc:docMk/>
+            <pc:sldMk cId="89048205" sldId="287"/>
+            <ac:picMk id="3" creationId="{5F0438D0-44A2-4AC7-9A18-72CF935CB12E}"/>
+          </ac:picMkLst>
+        </pc:picChg>
+      </pc:sldChg>
+    </pc:docChg>
+  </pc:docChgLst>
+</pc:chgInfo>
 </file>
 
 <file path=ppt/ink/ink1.xml><?xml version="1.0" encoding="utf-8"?>
@@ -6871,7 +6908,7 @@
         <p:spPr>
           <a:xfrm>
             <a:off x="942832" y="1696267"/>
-            <a:ext cx="11242960" cy="2246769"/>
+            <a:ext cx="11242960" cy="2677656"/>
           </a:xfrm>
           <a:prstGeom prst="rect">
             <a:avLst/>
@@ -6988,6 +7025,23 @@
                 <a:latin typeface="Arial Nova Light" panose="020B0304020202020204" pitchFamily="34" charset="0"/>
               </a:rPr>
               <a:t>Even MS Word implements LaTeX to input equations</a:t>
+            </a:r>
+          </a:p>
+          <a:p>
+            <a:pPr marL="457200" indent="-457200">
+              <a:buFont typeface="Arial" panose="020B0604020202020204" pitchFamily="34" charset="0"/>
+              <a:buChar char="•"/>
+            </a:pPr>
+            <a:r>
+              <a:rPr lang="en-GB" sz="2800" dirty="0">
+                <a:solidFill>
+                  <a:schemeClr val="bg1">
+                    <a:lumMod val="95000"/>
+                  </a:schemeClr>
+                </a:solidFill>
+                <a:latin typeface="Arial Nova Light" panose="020B0304020202020204" pitchFamily="34" charset="0"/>
+              </a:rPr>
+              <a:t>LaTeX is highly portable</a:t>
             </a:r>
           </a:p>
         </p:txBody>
@@ -7185,8 +7239,8 @@
         </p:blipFill>
         <p:spPr>
           <a:xfrm>
-            <a:off x="4202706" y="4134363"/>
-            <a:ext cx="4723214" cy="1978310"/>
+            <a:off x="4443061" y="4450479"/>
+            <a:ext cx="4242503" cy="1776965"/>
           </a:xfrm>
           <a:prstGeom prst="rect">
             <a:avLst/>
